--- a/Dependency.pptx
+++ b/Dependency.pptx
@@ -260,7 +260,7 @@
           <a:p>
             <a:fld id="{D3EBCA29-8BCE-4EF3-9330-E2318C10D0EC}" type="datetimeFigureOut">
               <a:rPr lang="ko-KR" altLang="en-US" smtClean="0"/>
-              <a:t>2023-05-06</a:t>
+              <a:t>2023-05-13</a:t>
             </a:fld>
             <a:endParaRPr lang="ko-KR" altLang="en-US"/>
           </a:p>
@@ -458,7 +458,7 @@
           <a:p>
             <a:fld id="{D3EBCA29-8BCE-4EF3-9330-E2318C10D0EC}" type="datetimeFigureOut">
               <a:rPr lang="ko-KR" altLang="en-US" smtClean="0"/>
-              <a:t>2023-05-06</a:t>
+              <a:t>2023-05-13</a:t>
             </a:fld>
             <a:endParaRPr lang="ko-KR" altLang="en-US"/>
           </a:p>
@@ -666,7 +666,7 @@
           <a:p>
             <a:fld id="{D3EBCA29-8BCE-4EF3-9330-E2318C10D0EC}" type="datetimeFigureOut">
               <a:rPr lang="ko-KR" altLang="en-US" smtClean="0"/>
-              <a:t>2023-05-06</a:t>
+              <a:t>2023-05-13</a:t>
             </a:fld>
             <a:endParaRPr lang="ko-KR" altLang="en-US"/>
           </a:p>
@@ -864,7 +864,7 @@
           <a:p>
             <a:fld id="{D3EBCA29-8BCE-4EF3-9330-E2318C10D0EC}" type="datetimeFigureOut">
               <a:rPr lang="ko-KR" altLang="en-US" smtClean="0"/>
-              <a:t>2023-05-06</a:t>
+              <a:t>2023-05-13</a:t>
             </a:fld>
             <a:endParaRPr lang="ko-KR" altLang="en-US"/>
           </a:p>
@@ -1139,7 +1139,7 @@
           <a:p>
             <a:fld id="{D3EBCA29-8BCE-4EF3-9330-E2318C10D0EC}" type="datetimeFigureOut">
               <a:rPr lang="ko-KR" altLang="en-US" smtClean="0"/>
-              <a:t>2023-05-06</a:t>
+              <a:t>2023-05-13</a:t>
             </a:fld>
             <a:endParaRPr lang="ko-KR" altLang="en-US"/>
           </a:p>
@@ -1404,7 +1404,7 @@
           <a:p>
             <a:fld id="{D3EBCA29-8BCE-4EF3-9330-E2318C10D0EC}" type="datetimeFigureOut">
               <a:rPr lang="ko-KR" altLang="en-US" smtClean="0"/>
-              <a:t>2023-05-06</a:t>
+              <a:t>2023-05-13</a:t>
             </a:fld>
             <a:endParaRPr lang="ko-KR" altLang="en-US"/>
           </a:p>
@@ -1816,7 +1816,7 @@
           <a:p>
             <a:fld id="{D3EBCA29-8BCE-4EF3-9330-E2318C10D0EC}" type="datetimeFigureOut">
               <a:rPr lang="ko-KR" altLang="en-US" smtClean="0"/>
-              <a:t>2023-05-06</a:t>
+              <a:t>2023-05-13</a:t>
             </a:fld>
             <a:endParaRPr lang="ko-KR" altLang="en-US"/>
           </a:p>
@@ -1957,7 +1957,7 @@
           <a:p>
             <a:fld id="{D3EBCA29-8BCE-4EF3-9330-E2318C10D0EC}" type="datetimeFigureOut">
               <a:rPr lang="ko-KR" altLang="en-US" smtClean="0"/>
-              <a:t>2023-05-06</a:t>
+              <a:t>2023-05-13</a:t>
             </a:fld>
             <a:endParaRPr lang="ko-KR" altLang="en-US"/>
           </a:p>
@@ -2070,7 +2070,7 @@
           <a:p>
             <a:fld id="{D3EBCA29-8BCE-4EF3-9330-E2318C10D0EC}" type="datetimeFigureOut">
               <a:rPr lang="ko-KR" altLang="en-US" smtClean="0"/>
-              <a:t>2023-05-06</a:t>
+              <a:t>2023-05-13</a:t>
             </a:fld>
             <a:endParaRPr lang="ko-KR" altLang="en-US"/>
           </a:p>
@@ -2381,7 +2381,7 @@
           <a:p>
             <a:fld id="{D3EBCA29-8BCE-4EF3-9330-E2318C10D0EC}" type="datetimeFigureOut">
               <a:rPr lang="ko-KR" altLang="en-US" smtClean="0"/>
-              <a:t>2023-05-06</a:t>
+              <a:t>2023-05-13</a:t>
             </a:fld>
             <a:endParaRPr lang="ko-KR" altLang="en-US"/>
           </a:p>
@@ -2669,7 +2669,7 @@
           <a:p>
             <a:fld id="{D3EBCA29-8BCE-4EF3-9330-E2318C10D0EC}" type="datetimeFigureOut">
               <a:rPr lang="ko-KR" altLang="en-US" smtClean="0"/>
-              <a:t>2023-05-06</a:t>
+              <a:t>2023-05-13</a:t>
             </a:fld>
             <a:endParaRPr lang="ko-KR" altLang="en-US"/>
           </a:p>
@@ -2910,7 +2910,7 @@
           <a:p>
             <a:fld id="{D3EBCA29-8BCE-4EF3-9330-E2318C10D0EC}" type="datetimeFigureOut">
               <a:rPr lang="ko-KR" altLang="en-US" smtClean="0"/>
-              <a:t>2023-05-06</a:t>
+              <a:t>2023-05-13</a:t>
             </a:fld>
             <a:endParaRPr lang="ko-KR" altLang="en-US"/>
           </a:p>
@@ -3702,7 +3702,7 @@
         <p:spPr>
           <a:xfrm flipV="1">
             <a:off x="6375438" y="1144108"/>
-            <a:ext cx="0" cy="466361"/>
+            <a:ext cx="0" cy="466360"/>
           </a:xfrm>
           <a:prstGeom prst="line">
             <a:avLst/>
@@ -3740,7 +3740,7 @@
         </p:nvSpPr>
         <p:spPr>
           <a:xfrm>
-            <a:off x="6041693" y="1610469"/>
+            <a:off x="6041693" y="1610468"/>
             <a:ext cx="667490" cy="276999"/>
           </a:xfrm>
           <a:prstGeom prst="rect">
@@ -3835,7 +3835,7 @@
         </p:nvSpPr>
         <p:spPr>
           <a:xfrm>
-            <a:off x="7472006" y="867107"/>
+            <a:off x="2777511" y="1610468"/>
             <a:ext cx="452368" cy="276999"/>
           </a:xfrm>
           <a:prstGeom prst="rect">
@@ -3878,7 +3878,7 @@
         </p:nvSpPr>
         <p:spPr>
           <a:xfrm>
-            <a:off x="7466396" y="1610468"/>
+            <a:off x="2771495" y="2340305"/>
             <a:ext cx="463588" cy="276999"/>
           </a:xfrm>
           <a:prstGeom prst="rect">
@@ -3918,31 +3918,188 @@
       </p:sp>
       <p:cxnSp>
         <p:nvCxnSpPr>
-          <p:cNvPr id="13" name="직선 연결선 12">
-            <a:extLst>
-              <a:ext uri="{FF2B5EF4-FFF2-40B4-BE49-F238E27FC236}">
-                <a16:creationId xmlns:a16="http://schemas.microsoft.com/office/drawing/2014/main" id="{71F74886-9E05-4723-B209-2B2C4B06AA22}"/>
+          <p:cNvPr id="3" name="직선 연결선 2">
+            <a:extLst>
+              <a:ext uri="{FF2B5EF4-FFF2-40B4-BE49-F238E27FC236}">
+                <a16:creationId xmlns:a16="http://schemas.microsoft.com/office/drawing/2014/main" id="{92DD875A-6C57-4438-B6EB-4F0A3C917E68}"/>
               </a:ext>
             </a:extLst>
           </p:cNvPr>
           <p:cNvCxnSpPr>
             <a:cxnSpLocks/>
-            <a:stCxn id="12" idx="0"/>
-            <a:endCxn id="11" idx="2"/>
+            <a:stCxn id="8" idx="2"/>
+            <a:endCxn id="11" idx="0"/>
           </p:cNvCxnSpPr>
           <p:nvPr/>
         </p:nvCxnSpPr>
         <p:spPr>
-          <a:xfrm flipV="1">
-            <a:off x="7698190" y="1144106"/>
-            <a:ext cx="0" cy="466362"/>
+          <a:xfrm>
+            <a:off x="1374585" y="1144107"/>
+            <a:ext cx="1629110" cy="466361"/>
           </a:xfrm>
           <a:prstGeom prst="line">
             <a:avLst/>
           </a:prstGeom>
-          <a:ln w="12700">
-            <a:headEnd type="none"/>
-          </a:ln>
+        </p:spPr>
+        <p:style>
+          <a:lnRef idx="1">
+            <a:schemeClr val="accent1"/>
+          </a:lnRef>
+          <a:fillRef idx="0">
+            <a:schemeClr val="accent1"/>
+          </a:fillRef>
+          <a:effectRef idx="0">
+            <a:schemeClr val="accent1"/>
+          </a:effectRef>
+          <a:fontRef idx="minor">
+            <a:schemeClr val="tx1"/>
+          </a:fontRef>
+        </p:style>
+      </p:cxnSp>
+      <p:cxnSp>
+        <p:nvCxnSpPr>
+          <p:cNvPr id="17" name="직선 연결선 16">
+            <a:extLst>
+              <a:ext uri="{FF2B5EF4-FFF2-40B4-BE49-F238E27FC236}">
+                <a16:creationId xmlns:a16="http://schemas.microsoft.com/office/drawing/2014/main" id="{F62C5666-8FF3-442B-B2CF-174F95C5C5A7}"/>
+              </a:ext>
+            </a:extLst>
+          </p:cNvPr>
+          <p:cNvCxnSpPr>
+            <a:cxnSpLocks/>
+            <a:stCxn id="5" idx="2"/>
+            <a:endCxn id="11" idx="0"/>
+          </p:cNvCxnSpPr>
+          <p:nvPr/>
+        </p:nvCxnSpPr>
+        <p:spPr>
+          <a:xfrm flipH="1">
+            <a:off x="3003695" y="1144108"/>
+            <a:ext cx="5610" cy="466360"/>
+          </a:xfrm>
+          <a:prstGeom prst="line">
+            <a:avLst/>
+          </a:prstGeom>
+        </p:spPr>
+        <p:style>
+          <a:lnRef idx="1">
+            <a:schemeClr val="accent1"/>
+          </a:lnRef>
+          <a:fillRef idx="0">
+            <a:schemeClr val="accent1"/>
+          </a:fillRef>
+          <a:effectRef idx="0">
+            <a:schemeClr val="accent1"/>
+          </a:effectRef>
+          <a:fontRef idx="minor">
+            <a:schemeClr val="tx1"/>
+          </a:fontRef>
+        </p:style>
+      </p:cxnSp>
+      <p:cxnSp>
+        <p:nvCxnSpPr>
+          <p:cNvPr id="18" name="직선 연결선 17">
+            <a:extLst>
+              <a:ext uri="{FF2B5EF4-FFF2-40B4-BE49-F238E27FC236}">
+                <a16:creationId xmlns:a16="http://schemas.microsoft.com/office/drawing/2014/main" id="{A4B67F9A-6177-424A-8E25-4509D157316D}"/>
+              </a:ext>
+            </a:extLst>
+          </p:cNvPr>
+          <p:cNvCxnSpPr>
+            <a:cxnSpLocks/>
+            <a:stCxn id="6" idx="2"/>
+            <a:endCxn id="12" idx="0"/>
+          </p:cNvCxnSpPr>
+          <p:nvPr/>
+        </p:nvCxnSpPr>
+        <p:spPr>
+          <a:xfrm flipH="1">
+            <a:off x="3003289" y="1144108"/>
+            <a:ext cx="1700047" cy="1196197"/>
+          </a:xfrm>
+          <a:prstGeom prst="line">
+            <a:avLst/>
+          </a:prstGeom>
+        </p:spPr>
+        <p:style>
+          <a:lnRef idx="1">
+            <a:schemeClr val="accent1"/>
+          </a:lnRef>
+          <a:fillRef idx="0">
+            <a:schemeClr val="accent1"/>
+          </a:fillRef>
+          <a:effectRef idx="0">
+            <a:schemeClr val="accent1"/>
+          </a:effectRef>
+          <a:fontRef idx="minor">
+            <a:schemeClr val="tx1"/>
+          </a:fontRef>
+        </p:style>
+      </p:cxnSp>
+      <p:cxnSp>
+        <p:nvCxnSpPr>
+          <p:cNvPr id="19" name="직선 연결선 18">
+            <a:extLst>
+              <a:ext uri="{FF2B5EF4-FFF2-40B4-BE49-F238E27FC236}">
+                <a16:creationId xmlns:a16="http://schemas.microsoft.com/office/drawing/2014/main" id="{76363DEF-1F0D-4B46-86D9-0C622E4392C4}"/>
+              </a:ext>
+            </a:extLst>
+          </p:cNvPr>
+          <p:cNvCxnSpPr>
+            <a:cxnSpLocks/>
+            <a:stCxn id="7" idx="2"/>
+            <a:endCxn id="12" idx="0"/>
+          </p:cNvCxnSpPr>
+          <p:nvPr/>
+        </p:nvCxnSpPr>
+        <p:spPr>
+          <a:xfrm flipH="1">
+            <a:off x="3003289" y="1144108"/>
+            <a:ext cx="3372149" cy="1196197"/>
+          </a:xfrm>
+          <a:prstGeom prst="line">
+            <a:avLst/>
+          </a:prstGeom>
+        </p:spPr>
+        <p:style>
+          <a:lnRef idx="1">
+            <a:schemeClr val="accent1"/>
+          </a:lnRef>
+          <a:fillRef idx="0">
+            <a:schemeClr val="accent1"/>
+          </a:fillRef>
+          <a:effectRef idx="0">
+            <a:schemeClr val="accent1"/>
+          </a:effectRef>
+          <a:fontRef idx="minor">
+            <a:schemeClr val="tx1"/>
+          </a:fontRef>
+        </p:style>
+      </p:cxnSp>
+      <p:cxnSp>
+        <p:nvCxnSpPr>
+          <p:cNvPr id="30" name="직선 연결선 29">
+            <a:extLst>
+              <a:ext uri="{FF2B5EF4-FFF2-40B4-BE49-F238E27FC236}">
+                <a16:creationId xmlns:a16="http://schemas.microsoft.com/office/drawing/2014/main" id="{4FFA76BA-2A3B-43FF-B68D-04B2108AD873}"/>
+              </a:ext>
+            </a:extLst>
+          </p:cNvPr>
+          <p:cNvCxnSpPr>
+            <a:cxnSpLocks/>
+            <a:stCxn id="11" idx="2"/>
+            <a:endCxn id="12" idx="0"/>
+          </p:cNvCxnSpPr>
+          <p:nvPr/>
+        </p:nvCxnSpPr>
+        <p:spPr>
+          <a:xfrm flipH="1">
+            <a:off x="3003289" y="1887467"/>
+            <a:ext cx="406" cy="452838"/>
+          </a:xfrm>
+          <a:prstGeom prst="line">
+            <a:avLst/>
+          </a:prstGeom>
         </p:spPr>
         <p:style>
           <a:lnRef idx="1">
